--- a/assets/File-Manager-Application.pptx
+++ b/assets/File-Manager-Application.pptx
@@ -5739,32 +5739,6 @@
       </p:sp>
       <p:pic>
         <p:nvPicPr>
-          <p:cNvPr id="13" name="Image 3" descr="preencoded.png">
-            <a:hlinkClick r:id="rId4"/>
-          </p:cNvPr>
-          <p:cNvPicPr>
-            <a:picLocks noChangeAspect="1"/>
-          </p:cNvPicPr>
-          <p:nvPr/>
-        </p:nvPicPr>
-        <p:blipFill>
-          <a:blip r:embed="rId5"/>
-          <a:stretch>
-            <a:fillRect/>
-          </a:stretch>
-        </p:blipFill>
-        <p:spPr>
-          <a:xfrm>
-            <a:off x="12242153" y="7589520"/>
-            <a:ext cx="2296807" cy="548640"/>
-          </a:xfrm>
-          <a:prstGeom prst="rect">
-            <a:avLst/>
-          </a:prstGeom>
-        </p:spPr>
-      </p:pic>
-      <p:pic>
-        <p:nvPicPr>
           <p:cNvPr id="17" name="Image 1">
             <a:extLst>
               <a:ext uri="{FF2B5EF4-FFF2-40B4-BE49-F238E27FC236}">
@@ -5778,7 +5752,7 @@
           <p:nvPr/>
         </p:nvPicPr>
         <p:blipFill>
-          <a:blip r:embed="rId6"/>
+          <a:blip r:embed="rId4"/>
           <a:stretch>
             <a:fillRect/>
           </a:stretch>
@@ -5808,7 +5782,7 @@
           <p:nvPr/>
         </p:nvPicPr>
         <p:blipFill>
-          <a:blip r:embed="rId7"/>
+          <a:blip r:embed="rId5"/>
           <a:stretch>
             <a:fillRect/>
           </a:stretch>

--- a/assets/File-Manager-Application.pptx
+++ b/assets/File-Manager-Application.pptx
@@ -5,18 +5,19 @@
     <p:sldMasterId id="2147483648" r:id="rId1"/>
   </p:sldMasterIdLst>
   <p:notesMasterIdLst>
-    <p:notesMasterId r:id="rId11"/>
+    <p:notesMasterId r:id="rId12"/>
   </p:notesMasterIdLst>
   <p:sldIdLst>
-    <p:sldId id="256" r:id="rId2"/>
-    <p:sldId id="257" r:id="rId3"/>
-    <p:sldId id="258" r:id="rId4"/>
-    <p:sldId id="259" r:id="rId5"/>
-    <p:sldId id="260" r:id="rId6"/>
-    <p:sldId id="261" r:id="rId7"/>
-    <p:sldId id="262" r:id="rId8"/>
-    <p:sldId id="263" r:id="rId9"/>
-    <p:sldId id="264" r:id="rId10"/>
+    <p:sldId id="266" r:id="rId2"/>
+    <p:sldId id="256" r:id="rId3"/>
+    <p:sldId id="257" r:id="rId4"/>
+    <p:sldId id="258" r:id="rId5"/>
+    <p:sldId id="259" r:id="rId6"/>
+    <p:sldId id="260" r:id="rId7"/>
+    <p:sldId id="261" r:id="rId8"/>
+    <p:sldId id="262" r:id="rId9"/>
+    <p:sldId id="263" r:id="rId10"/>
+    <p:sldId id="264" r:id="rId11"/>
   </p:sldIdLst>
   <p:sldSz cx="14630400" cy="8229600"/>
   <p:notesSz cx="8229600" cy="14630400"/>
@@ -311,6 +312,90 @@
             <a:fld id="{F7021451-1387-4CA6-816F-3879F97B5CBC}" type="slidenum">
               <a:rPr lang="en-US"/>
               <a:t>1</a:t>
+            </a:fld>
+            <a:endParaRPr lang="en-US"/>
+          </a:p>
+        </p:txBody>
+      </p:sp>
+    </p:spTree>
+    <p:extLst>
+      <p:ext uri="{BB962C8B-B14F-4D97-AF65-F5344CB8AC3E}">
+        <p14:creationId xmlns:p14="http://schemas.microsoft.com/office/powerpoint/2010/main" val="1505606240"/>
+      </p:ext>
+    </p:extLst>
+  </p:cSld>
+  <p:clrMapOvr>
+    <a:masterClrMapping/>
+  </p:clrMapOvr>
+</p:notes>
+</file>
+
+<file path=ppt/notesSlides/notesSlide10.xml><?xml version="1.0" encoding="utf-8"?>
+<p:notes xmlns:a="http://schemas.openxmlformats.org/drawingml/2006/main" xmlns:r="http://schemas.openxmlformats.org/officeDocument/2006/relationships" xmlns:p="http://schemas.openxmlformats.org/presentationml/2006/main">
+  <p:cSld>
+    <p:spTree>
+      <p:nvGrpSpPr>
+        <p:cNvPr id="1" name=""/>
+        <p:cNvGrpSpPr/>
+        <p:nvPr/>
+      </p:nvGrpSpPr>
+      <p:grpSpPr>
+        <a:xfrm>
+          <a:off x="0" y="0"/>
+          <a:ext cx="0" cy="0"/>
+          <a:chOff x="0" y="0"/>
+          <a:chExt cx="0" cy="0"/>
+        </a:xfrm>
+      </p:grpSpPr>
+      <p:sp>
+        <p:nvSpPr>
+          <p:cNvPr id="2" name="Slide Image Placeholder 1"/>
+          <p:cNvSpPr>
+            <a:spLocks noGrp="1" noRot="1" noChangeAspect="1"/>
+          </p:cNvSpPr>
+          <p:nvPr>
+            <p:ph type="sldImg"/>
+          </p:nvPr>
+        </p:nvSpPr>
+        <p:spPr/>
+      </p:sp>
+      <p:sp>
+        <p:nvSpPr>
+          <p:cNvPr id="3" name="Notes Placeholder 2"/>
+          <p:cNvSpPr>
+            <a:spLocks noGrp="1"/>
+          </p:cNvSpPr>
+          <p:nvPr>
+            <p:ph type="body" idx="1"/>
+          </p:nvPr>
+        </p:nvSpPr>
+        <p:spPr/>
+        <p:txBody>
+          <a:bodyPr/>
+          <a:lstStyle/>
+          <a:p>
+            <a:endParaRPr lang="en-US" dirty="0"/>
+          </a:p>
+        </p:txBody>
+      </p:sp>
+      <p:sp>
+        <p:nvSpPr>
+          <p:cNvPr id="4" name="Slide Number Placeholder 3"/>
+          <p:cNvSpPr>
+            <a:spLocks noGrp="1"/>
+          </p:cNvSpPr>
+          <p:nvPr>
+            <p:ph type="sldNum" sz="quarter" idx="10"/>
+          </p:nvPr>
+        </p:nvSpPr>
+        <p:spPr/>
+        <p:txBody>
+          <a:bodyPr/>
+          <a:lstStyle/>
+          <a:p>
+            <a:fld id="{F7021451-1387-4CA6-816F-3879F97B5CBC}" type="slidenum">
+              <a:rPr lang="en-US"/>
+              <a:t>10</a:t>
             </a:fld>
             <a:endParaRPr lang="en-US"/>
           </a:p>
@@ -1315,6 +1400,983 @@
 
 <file path=ppt/slides/slide1.xml><?xml version="1.0" encoding="utf-8"?>
 <p:sld xmlns:a="http://schemas.openxmlformats.org/drawingml/2006/main" xmlns:r="http://schemas.openxmlformats.org/officeDocument/2006/relationships" xmlns:p="http://schemas.openxmlformats.org/presentationml/2006/main">
+  <p:cSld>
+    <p:spTree>
+      <p:nvGrpSpPr>
+        <p:cNvPr id="1" name=""/>
+        <p:cNvGrpSpPr/>
+        <p:nvPr/>
+      </p:nvGrpSpPr>
+      <p:grpSpPr>
+        <a:xfrm>
+          <a:off x="0" y="0"/>
+          <a:ext cx="0" cy="0"/>
+          <a:chOff x="0" y="0"/>
+          <a:chExt cx="0" cy="0"/>
+        </a:xfrm>
+      </p:grpSpPr>
+      <p:pic>
+        <p:nvPicPr>
+          <p:cNvPr id="2" name="Image 0" descr="preencoded.png"/>
+          <p:cNvPicPr>
+            <a:picLocks noChangeAspect="1"/>
+          </p:cNvPicPr>
+          <p:nvPr/>
+        </p:nvPicPr>
+        <p:blipFill>
+          <a:blip r:embed="rId3"/>
+          <a:stretch>
+            <a:fillRect/>
+          </a:stretch>
+        </p:blipFill>
+        <p:spPr>
+          <a:xfrm>
+            <a:off x="0" y="0"/>
+            <a:ext cx="14630400" cy="8229600"/>
+          </a:xfrm>
+          <a:prstGeom prst="rect">
+            <a:avLst/>
+          </a:prstGeom>
+        </p:spPr>
+      </p:pic>
+      <p:sp>
+        <p:nvSpPr>
+          <p:cNvPr id="3" name="Shape 0"/>
+          <p:cNvSpPr/>
+          <p:nvPr/>
+        </p:nvSpPr>
+        <p:spPr>
+          <a:xfrm>
+            <a:off x="-59570" y="0"/>
+            <a:ext cx="14630400" cy="8229600"/>
+          </a:xfrm>
+          <a:prstGeom prst="rect">
+            <a:avLst/>
+          </a:prstGeom>
+          <a:solidFill>
+            <a:srgbClr val="00002E">
+              <a:alpha val="75000"/>
+            </a:srgbClr>
+          </a:solidFill>
+          <a:ln/>
+        </p:spPr>
+        <p:txBody>
+          <a:bodyPr/>
+          <a:lstStyle/>
+          <a:p>
+            <a:endParaRPr lang="en-IN"/>
+          </a:p>
+        </p:txBody>
+      </p:sp>
+      <p:pic>
+        <p:nvPicPr>
+          <p:cNvPr id="4" name="Image 0" descr="A yellow folder with papers and icons&#10;&#10;Description automatically generated"/>
+          <p:cNvPicPr>
+            <a:picLocks noChangeAspect="1"/>
+          </p:cNvPicPr>
+          <p:nvPr/>
+        </p:nvPicPr>
+        <p:blipFill>
+          <a:blip r:embed="rId4"/>
+          <a:stretch>
+            <a:fillRect/>
+          </a:stretch>
+        </p:blipFill>
+        <p:spPr>
+          <a:xfrm>
+            <a:off x="-59570" y="-1"/>
+            <a:ext cx="5486400" cy="8229600"/>
+          </a:xfrm>
+          <a:prstGeom prst="rect">
+            <a:avLst/>
+          </a:prstGeom>
+        </p:spPr>
+      </p:pic>
+      <p:sp>
+        <p:nvSpPr>
+          <p:cNvPr id="6" name="Text 2"/>
+          <p:cNvSpPr/>
+          <p:nvPr/>
+        </p:nvSpPr>
+        <p:spPr>
+          <a:xfrm>
+            <a:off x="7548995" y="1182301"/>
+            <a:ext cx="5018810" cy="1002030"/>
+          </a:xfrm>
+          <a:prstGeom prst="rect">
+            <a:avLst/>
+          </a:prstGeom>
+          <a:noFill/>
+          <a:ln/>
+        </p:spPr>
+        <p:txBody>
+          <a:bodyPr wrap="none" rtlCol="0" anchor="t"/>
+          <a:lstStyle/>
+          <a:p>
+            <a:pPr marL="0" indent="0">
+              <a:lnSpc>
+                <a:spcPts val="7890"/>
+              </a:lnSpc>
+              <a:buNone/>
+            </a:pPr>
+            <a:r>
+              <a:rPr lang="en-US" sz="6312" dirty="0">
+                <a:solidFill>
+                  <a:srgbClr val="6EB9FC"/>
+                </a:solidFill>
+                <a:latin typeface="Lora" pitchFamily="34" charset="0"/>
+                <a:ea typeface="Lora" pitchFamily="34" charset="-122"/>
+                <a:cs typeface="Lora" pitchFamily="34" charset="-120"/>
+              </a:rPr>
+              <a:t>File Manager</a:t>
+            </a:r>
+            <a:endParaRPr lang="en-US" sz="6312" dirty="0"/>
+          </a:p>
+        </p:txBody>
+      </p:sp>
+      <p:sp>
+        <p:nvSpPr>
+          <p:cNvPr id="7" name="Text 3"/>
+          <p:cNvSpPr/>
+          <p:nvPr/>
+        </p:nvSpPr>
+        <p:spPr>
+          <a:xfrm>
+            <a:off x="7548995" y="3088142"/>
+            <a:ext cx="5018810" cy="2524991"/>
+          </a:xfrm>
+          <a:prstGeom prst="rect">
+            <a:avLst/>
+          </a:prstGeom>
+          <a:noFill/>
+          <a:ln/>
+        </p:spPr>
+        <p:txBody>
+          <a:bodyPr wrap="square" rtlCol="0" anchor="t"/>
+          <a:lstStyle/>
+          <a:p>
+            <a:pPr>
+              <a:lnSpc>
+                <a:spcPts val="3110"/>
+              </a:lnSpc>
+            </a:pPr>
+            <a:r>
+              <a:rPr lang="en-GB" sz="1800" b="1">
+                <a:solidFill>
+                  <a:srgbClr val="D6E5EF"/>
+                </a:solidFill>
+                <a:latin typeface="Source Sans Pro" pitchFamily="34" charset="0"/>
+                <a:ea typeface="Source Sans Pro" pitchFamily="34" charset="-122"/>
+                <a:cs typeface="Source Sans Pro" pitchFamily="34" charset="-120"/>
+              </a:rPr>
+              <a:t>Name: </a:t>
+            </a:r>
+            <a:r>
+              <a:rPr lang="en-GB" sz="2000">
+                <a:solidFill>
+                  <a:srgbClr val="D6E5EF"/>
+                </a:solidFill>
+                <a:latin typeface="Source Sans Pro" pitchFamily="34" charset="0"/>
+                <a:ea typeface="Source Sans Pro" pitchFamily="34" charset="-122"/>
+                <a:cs typeface="Source Sans Pro" pitchFamily="34" charset="-120"/>
+              </a:rPr>
+              <a:t>Yash Kumar Singh </a:t>
+            </a:r>
+            <a:endParaRPr lang="en-GB" sz="1944" b="1">
+              <a:solidFill>
+                <a:srgbClr val="D6E5EF"/>
+              </a:solidFill>
+              <a:latin typeface="Source Sans Pro" pitchFamily="34" charset="0"/>
+              <a:ea typeface="Source Sans Pro" pitchFamily="34" charset="-122"/>
+              <a:cs typeface="Source Sans Pro" pitchFamily="34" charset="-120"/>
+            </a:endParaRPr>
+          </a:p>
+          <a:p>
+            <a:pPr marL="0" indent="0">
+              <a:lnSpc>
+                <a:spcPts val="3110"/>
+              </a:lnSpc>
+              <a:buNone/>
+            </a:pPr>
+            <a:r>
+              <a:rPr lang="en-GB" sz="1944" b="1" dirty="0">
+                <a:solidFill>
+                  <a:srgbClr val="D6E5EF"/>
+                </a:solidFill>
+                <a:latin typeface="Source Sans Pro" pitchFamily="34" charset="0"/>
+                <a:ea typeface="Source Sans Pro" pitchFamily="34" charset="-122"/>
+                <a:cs typeface="Source Sans Pro" pitchFamily="34" charset="-120"/>
+              </a:rPr>
+              <a:t>Project Title: </a:t>
+            </a:r>
+            <a:r>
+              <a:rPr lang="en-GB" sz="2200" dirty="0">
+                <a:solidFill>
+                  <a:srgbClr val="D6E5EF"/>
+                </a:solidFill>
+                <a:latin typeface="Source Sans Pro" pitchFamily="34" charset="0"/>
+                <a:ea typeface="Source Sans Pro" pitchFamily="34" charset="-122"/>
+                <a:cs typeface="Source Sans Pro" pitchFamily="34" charset="-120"/>
+              </a:rPr>
+              <a:t>File Manager </a:t>
+            </a:r>
+          </a:p>
+          <a:p>
+            <a:pPr marL="0" indent="0">
+              <a:lnSpc>
+                <a:spcPts val="3110"/>
+              </a:lnSpc>
+              <a:buNone/>
+            </a:pPr>
+            <a:r>
+              <a:rPr lang="en-GB" sz="1944" b="1" dirty="0">
+                <a:solidFill>
+                  <a:srgbClr val="D6E5EF"/>
+                </a:solidFill>
+                <a:latin typeface="Source Sans Pro" pitchFamily="34" charset="0"/>
+                <a:ea typeface="Source Sans Pro" pitchFamily="34" charset="-122"/>
+                <a:cs typeface="Source Sans Pro" pitchFamily="34" charset="-120"/>
+              </a:rPr>
+              <a:t>GitHub Username: </a:t>
+            </a:r>
+            <a:r>
+              <a:rPr lang="en-GB" sz="2200" dirty="0">
+                <a:solidFill>
+                  <a:srgbClr val="D6E5EF"/>
+                </a:solidFill>
+                <a:latin typeface="Source Sans Pro" pitchFamily="34" charset="0"/>
+                <a:ea typeface="Source Sans Pro" pitchFamily="34" charset="-122"/>
+                <a:cs typeface="Source Sans Pro" pitchFamily="34" charset="-120"/>
+              </a:rPr>
+              <a:t>Celestial-0 </a:t>
+            </a:r>
+          </a:p>
+          <a:p>
+            <a:pPr marL="0" indent="0">
+              <a:lnSpc>
+                <a:spcPts val="3110"/>
+              </a:lnSpc>
+              <a:buNone/>
+            </a:pPr>
+            <a:r>
+              <a:rPr lang="en-GB" sz="1944" b="1" dirty="0">
+                <a:solidFill>
+                  <a:srgbClr val="D6E5EF"/>
+                </a:solidFill>
+                <a:latin typeface="Source Sans Pro" pitchFamily="34" charset="0"/>
+                <a:ea typeface="Source Sans Pro" pitchFamily="34" charset="-122"/>
+                <a:cs typeface="Source Sans Pro" pitchFamily="34" charset="-120"/>
+              </a:rPr>
+              <a:t>edX Username: </a:t>
+            </a:r>
+            <a:r>
+              <a:rPr lang="en-GB" sz="2200" dirty="0">
+                <a:solidFill>
+                  <a:srgbClr val="D6E5EF"/>
+                </a:solidFill>
+                <a:latin typeface="Source Sans Pro" pitchFamily="34" charset="0"/>
+                <a:ea typeface="Source Sans Pro" pitchFamily="34" charset="-122"/>
+                <a:cs typeface="Source Sans Pro" pitchFamily="34" charset="-120"/>
+              </a:rPr>
+              <a:t>Celestial_0 </a:t>
+            </a:r>
+          </a:p>
+          <a:p>
+            <a:pPr marL="0" indent="0">
+              <a:lnSpc>
+                <a:spcPts val="3110"/>
+              </a:lnSpc>
+              <a:buNone/>
+            </a:pPr>
+            <a:r>
+              <a:rPr lang="en-GB" sz="1944" b="1" dirty="0">
+                <a:solidFill>
+                  <a:srgbClr val="D6E5EF"/>
+                </a:solidFill>
+                <a:latin typeface="Source Sans Pro" pitchFamily="34" charset="0"/>
+                <a:ea typeface="Source Sans Pro" pitchFamily="34" charset="-122"/>
+                <a:cs typeface="Source Sans Pro" pitchFamily="34" charset="-120"/>
+              </a:rPr>
+              <a:t>City and Country: </a:t>
+            </a:r>
+            <a:r>
+              <a:rPr lang="en-GB" sz="2200" dirty="0" err="1">
+                <a:solidFill>
+                  <a:srgbClr val="D6E5EF"/>
+                </a:solidFill>
+                <a:latin typeface="Source Sans Pro" pitchFamily="34" charset="0"/>
+                <a:ea typeface="Source Sans Pro" pitchFamily="34" charset="-122"/>
+                <a:cs typeface="Source Sans Pro" pitchFamily="34" charset="-120"/>
+              </a:rPr>
+              <a:t>Pratapgarh</a:t>
+            </a:r>
+            <a:r>
+              <a:rPr lang="en-GB" sz="2200" dirty="0">
+                <a:solidFill>
+                  <a:srgbClr val="D6E5EF"/>
+                </a:solidFill>
+                <a:latin typeface="Source Sans Pro" pitchFamily="34" charset="0"/>
+                <a:ea typeface="Source Sans Pro" pitchFamily="34" charset="-122"/>
+                <a:cs typeface="Source Sans Pro" pitchFamily="34" charset="-120"/>
+              </a:rPr>
+              <a:t>, UP, India </a:t>
+            </a:r>
+          </a:p>
+          <a:p>
+            <a:pPr marL="0" indent="0">
+              <a:lnSpc>
+                <a:spcPts val="3110"/>
+              </a:lnSpc>
+              <a:buNone/>
+            </a:pPr>
+            <a:r>
+              <a:rPr lang="en-GB" sz="1944" b="1" dirty="0">
+                <a:solidFill>
+                  <a:srgbClr val="D6E5EF"/>
+                </a:solidFill>
+                <a:latin typeface="Source Sans Pro" pitchFamily="34" charset="0"/>
+                <a:ea typeface="Source Sans Pro" pitchFamily="34" charset="-122"/>
+                <a:cs typeface="Source Sans Pro" pitchFamily="34" charset="-120"/>
+              </a:rPr>
+              <a:t>Date of Recording: 26-06-2024</a:t>
+            </a:r>
+            <a:endParaRPr lang="en-US" sz="1944" dirty="0"/>
+          </a:p>
+        </p:txBody>
+      </p:sp>
+      <p:pic>
+        <p:nvPicPr>
+          <p:cNvPr id="10" name="Image 1" descr="preencoded.png"/>
+          <p:cNvPicPr>
+            <a:picLocks noChangeAspect="1"/>
+          </p:cNvPicPr>
+          <p:nvPr/>
+        </p:nvPicPr>
+        <p:blipFill>
+          <a:blip r:embed="rId5"/>
+          <a:stretch>
+            <a:fillRect/>
+          </a:stretch>
+        </p:blipFill>
+        <p:spPr>
+          <a:xfrm>
+            <a:off x="8393013" y="6516945"/>
+            <a:ext cx="379690" cy="379690"/>
+          </a:xfrm>
+          <a:prstGeom prst="rect">
+            <a:avLst/>
+          </a:prstGeom>
+        </p:spPr>
+      </p:pic>
+      <p:sp>
+        <p:nvSpPr>
+          <p:cNvPr id="11" name="Text 5"/>
+          <p:cNvSpPr/>
+          <p:nvPr/>
+        </p:nvSpPr>
+        <p:spPr>
+          <a:xfrm>
+            <a:off x="8903672" y="6490870"/>
+            <a:ext cx="2820114" cy="431959"/>
+          </a:xfrm>
+          <a:prstGeom prst="rect">
+            <a:avLst/>
+          </a:prstGeom>
+          <a:noFill/>
+          <a:ln/>
+        </p:spPr>
+        <p:txBody>
+          <a:bodyPr wrap="none" rtlCol="0" anchor="t"/>
+          <a:lstStyle/>
+          <a:p>
+            <a:pPr marL="0" indent="0" algn="l">
+              <a:lnSpc>
+                <a:spcPts val="3402"/>
+              </a:lnSpc>
+              <a:buNone/>
+            </a:pPr>
+            <a:r>
+              <a:rPr lang="en-US" sz="2430" b="1" dirty="0">
+                <a:solidFill>
+                  <a:srgbClr val="D6E5EF"/>
+                </a:solidFill>
+                <a:latin typeface="Source Sans Pro" pitchFamily="34" charset="0"/>
+                <a:ea typeface="Source Sans Pro" pitchFamily="34" charset="-122"/>
+                <a:cs typeface="Source Sans Pro" pitchFamily="34" charset="-120"/>
+              </a:rPr>
+              <a:t>by Yash Kumar Singh</a:t>
+            </a:r>
+            <a:endParaRPr lang="en-US" sz="2430" dirty="0"/>
+          </a:p>
+        </p:txBody>
+      </p:sp>
+    </p:spTree>
+    <p:extLst>
+      <p:ext uri="{BB962C8B-B14F-4D97-AF65-F5344CB8AC3E}">
+        <p14:creationId xmlns:p14="http://schemas.microsoft.com/office/powerpoint/2010/main" val="3326228687"/>
+      </p:ext>
+    </p:extLst>
+  </p:cSld>
+  <p:clrMapOvr>
+    <a:masterClrMapping/>
+  </p:clrMapOvr>
+</p:sld>
+</file>
+
+<file path=ppt/slides/slide10.xml><?xml version="1.0" encoding="utf-8"?>
+<p:sld xmlns:a="http://schemas.openxmlformats.org/drawingml/2006/main" xmlns:r="http://schemas.openxmlformats.org/officeDocument/2006/relationships" xmlns:p="http://schemas.openxmlformats.org/presentationml/2006/main">
+  <p:cSld name="Slide 9">
+    <p:spTree>
+      <p:nvGrpSpPr>
+        <p:cNvPr id="1" name=""/>
+        <p:cNvGrpSpPr/>
+        <p:nvPr/>
+      </p:nvGrpSpPr>
+      <p:grpSpPr>
+        <a:xfrm>
+          <a:off x="0" y="0"/>
+          <a:ext cx="0" cy="0"/>
+          <a:chOff x="0" y="0"/>
+          <a:chExt cx="0" cy="0"/>
+        </a:xfrm>
+      </p:grpSpPr>
+      <p:pic>
+        <p:nvPicPr>
+          <p:cNvPr id="2" name="Image 0" descr="preencoded.png"/>
+          <p:cNvPicPr>
+            <a:picLocks noChangeAspect="1"/>
+          </p:cNvPicPr>
+          <p:nvPr/>
+        </p:nvPicPr>
+        <p:blipFill>
+          <a:blip r:embed="rId3"/>
+          <a:stretch>
+            <a:fillRect/>
+          </a:stretch>
+        </p:blipFill>
+        <p:spPr>
+          <a:xfrm>
+            <a:off x="0" y="0"/>
+            <a:ext cx="14630400" cy="8229600"/>
+          </a:xfrm>
+          <a:prstGeom prst="rect">
+            <a:avLst/>
+          </a:prstGeom>
+        </p:spPr>
+      </p:pic>
+      <p:sp>
+        <p:nvSpPr>
+          <p:cNvPr id="3" name="Shape 0"/>
+          <p:cNvSpPr/>
+          <p:nvPr/>
+        </p:nvSpPr>
+        <p:spPr>
+          <a:xfrm>
+            <a:off x="0" y="0"/>
+            <a:ext cx="14630400" cy="8229600"/>
+          </a:xfrm>
+          <a:prstGeom prst="rect">
+            <a:avLst/>
+          </a:prstGeom>
+          <a:solidFill>
+            <a:srgbClr val="00002E">
+              <a:alpha val="75000"/>
+            </a:srgbClr>
+          </a:solidFill>
+          <a:ln/>
+        </p:spPr>
+        <p:txBody>
+          <a:bodyPr/>
+          <a:lstStyle/>
+          <a:p>
+            <a:endParaRPr lang="en-IN"/>
+          </a:p>
+        </p:txBody>
+      </p:sp>
+      <p:sp>
+        <p:nvSpPr>
+          <p:cNvPr id="4" name="Text 1"/>
+          <p:cNvSpPr/>
+          <p:nvPr/>
+        </p:nvSpPr>
+        <p:spPr>
+          <a:xfrm>
+            <a:off x="2348389" y="2032040"/>
+            <a:ext cx="5751552" cy="694373"/>
+          </a:xfrm>
+          <a:prstGeom prst="rect">
+            <a:avLst/>
+          </a:prstGeom>
+          <a:noFill/>
+          <a:ln/>
+        </p:spPr>
+        <p:txBody>
+          <a:bodyPr wrap="none" rtlCol="0" anchor="t"/>
+          <a:lstStyle/>
+          <a:p>
+            <a:pPr marL="0" indent="0">
+              <a:lnSpc>
+                <a:spcPts val="5468"/>
+              </a:lnSpc>
+              <a:buNone/>
+            </a:pPr>
+            <a:r>
+              <a:rPr lang="en-US" sz="4374" b="1" dirty="0">
+                <a:solidFill>
+                  <a:srgbClr val="FFFFFF"/>
+                </a:solidFill>
+                <a:latin typeface="Nunito" pitchFamily="34" charset="0"/>
+                <a:ea typeface="Nunito" pitchFamily="34" charset="-122"/>
+                <a:cs typeface="Nunito" pitchFamily="34" charset="-120"/>
+              </a:rPr>
+              <a:t>Intuitive User Interface</a:t>
+            </a:r>
+            <a:endParaRPr lang="en-US" sz="4374" dirty="0"/>
+          </a:p>
+        </p:txBody>
+      </p:sp>
+      <p:pic>
+        <p:nvPicPr>
+          <p:cNvPr id="5" name="Image 1" descr="preencoded.png"/>
+          <p:cNvPicPr>
+            <a:picLocks noChangeAspect="1"/>
+          </p:cNvPicPr>
+          <p:nvPr/>
+        </p:nvPicPr>
+        <p:blipFill>
+          <a:blip r:embed="rId4"/>
+          <a:stretch>
+            <a:fillRect/>
+          </a:stretch>
+        </p:blipFill>
+        <p:spPr>
+          <a:xfrm>
+            <a:off x="2348389" y="3170753"/>
+            <a:ext cx="555427" cy="555427"/>
+          </a:xfrm>
+          <a:prstGeom prst="rect">
+            <a:avLst/>
+          </a:prstGeom>
+        </p:spPr>
+      </p:pic>
+      <p:sp>
+        <p:nvSpPr>
+          <p:cNvPr id="6" name="Text 2"/>
+          <p:cNvSpPr/>
+          <p:nvPr/>
+        </p:nvSpPr>
+        <p:spPr>
+          <a:xfrm>
+            <a:off x="2348389" y="3948351"/>
+            <a:ext cx="2233374" cy="694373"/>
+          </a:xfrm>
+          <a:prstGeom prst="rect">
+            <a:avLst/>
+          </a:prstGeom>
+          <a:noFill/>
+          <a:ln/>
+        </p:spPr>
+        <p:txBody>
+          <a:bodyPr wrap="square" rtlCol="0" anchor="t"/>
+          <a:lstStyle/>
+          <a:p>
+            <a:pPr marL="0" indent="0" algn="l">
+              <a:lnSpc>
+                <a:spcPts val="2734"/>
+              </a:lnSpc>
+              <a:buNone/>
+            </a:pPr>
+            <a:r>
+              <a:rPr lang="en-US" sz="2187" b="1" dirty="0">
+                <a:solidFill>
+                  <a:srgbClr val="F2B42D"/>
+                </a:solidFill>
+                <a:latin typeface="Nunito" pitchFamily="34" charset="0"/>
+                <a:ea typeface="Nunito" pitchFamily="34" charset="-122"/>
+                <a:cs typeface="Nunito" pitchFamily="34" charset="-120"/>
+              </a:rPr>
+              <a:t>Simple Navigation</a:t>
+            </a:r>
+            <a:endParaRPr lang="en-US" sz="2187" dirty="0"/>
+          </a:p>
+        </p:txBody>
+      </p:sp>
+      <p:sp>
+        <p:nvSpPr>
+          <p:cNvPr id="7" name="Text 3"/>
+          <p:cNvSpPr/>
+          <p:nvPr/>
+        </p:nvSpPr>
+        <p:spPr>
+          <a:xfrm>
+            <a:off x="2348389" y="4775954"/>
+            <a:ext cx="2233374" cy="1421606"/>
+          </a:xfrm>
+          <a:prstGeom prst="rect">
+            <a:avLst/>
+          </a:prstGeom>
+          <a:noFill/>
+          <a:ln/>
+        </p:spPr>
+        <p:txBody>
+          <a:bodyPr wrap="square" rtlCol="0" anchor="t"/>
+          <a:lstStyle/>
+          <a:p>
+            <a:pPr marL="0" indent="0" algn="l">
+              <a:lnSpc>
+                <a:spcPts val="2799"/>
+              </a:lnSpc>
+              <a:buNone/>
+            </a:pPr>
+            <a:r>
+              <a:rPr lang="en-US" sz="1750" dirty="0">
+                <a:solidFill>
+                  <a:srgbClr val="FFFFFF"/>
+                </a:solidFill>
+                <a:latin typeface="PT Sans" pitchFamily="34" charset="0"/>
+                <a:ea typeface="PT Sans" pitchFamily="34" charset="-122"/>
+                <a:cs typeface="PT Sans" pitchFamily="34" charset="-120"/>
+              </a:rPr>
+              <a:t>Easily browse and manage files and folders with a clean, intuitive directory tree.</a:t>
+            </a:r>
+            <a:endParaRPr lang="en-US" sz="1750" dirty="0"/>
+          </a:p>
+        </p:txBody>
+      </p:sp>
+      <p:pic>
+        <p:nvPicPr>
+          <p:cNvPr id="8" name="Image 2" descr="preencoded.png"/>
+          <p:cNvPicPr>
+            <a:picLocks noChangeAspect="1"/>
+          </p:cNvPicPr>
+          <p:nvPr/>
+        </p:nvPicPr>
+        <p:blipFill>
+          <a:blip r:embed="rId5"/>
+          <a:stretch>
+            <a:fillRect/>
+          </a:stretch>
+        </p:blipFill>
+        <p:spPr>
+          <a:xfrm>
+            <a:off x="4915019" y="3170753"/>
+            <a:ext cx="555427" cy="555427"/>
+          </a:xfrm>
+          <a:prstGeom prst="rect">
+            <a:avLst/>
+          </a:prstGeom>
+        </p:spPr>
+      </p:pic>
+      <p:sp>
+        <p:nvSpPr>
+          <p:cNvPr id="9" name="Text 4"/>
+          <p:cNvSpPr/>
+          <p:nvPr/>
+        </p:nvSpPr>
+        <p:spPr>
+          <a:xfrm>
+            <a:off x="4915019" y="3948351"/>
+            <a:ext cx="2233493" cy="694373"/>
+          </a:xfrm>
+          <a:prstGeom prst="rect">
+            <a:avLst/>
+          </a:prstGeom>
+          <a:noFill/>
+          <a:ln/>
+        </p:spPr>
+        <p:txBody>
+          <a:bodyPr wrap="square" rtlCol="0" anchor="t"/>
+          <a:lstStyle/>
+          <a:p>
+            <a:pPr marL="0" indent="0" algn="l">
+              <a:lnSpc>
+                <a:spcPts val="2734"/>
+              </a:lnSpc>
+              <a:buNone/>
+            </a:pPr>
+            <a:r>
+              <a:rPr lang="en-US" sz="2187" b="1" dirty="0">
+                <a:solidFill>
+                  <a:srgbClr val="D7425E"/>
+                </a:solidFill>
+                <a:latin typeface="Nunito" pitchFamily="34" charset="0"/>
+                <a:ea typeface="Nunito" pitchFamily="34" charset="-122"/>
+                <a:cs typeface="Nunito" pitchFamily="34" charset="-120"/>
+              </a:rPr>
+              <a:t>Customizable Options</a:t>
+            </a:r>
+            <a:endParaRPr lang="en-US" sz="2187" dirty="0"/>
+          </a:p>
+        </p:txBody>
+      </p:sp>
+      <p:sp>
+        <p:nvSpPr>
+          <p:cNvPr id="10" name="Text 5"/>
+          <p:cNvSpPr/>
+          <p:nvPr/>
+        </p:nvSpPr>
+        <p:spPr>
+          <a:xfrm>
+            <a:off x="4915019" y="4775954"/>
+            <a:ext cx="2233493" cy="1421606"/>
+          </a:xfrm>
+          <a:prstGeom prst="rect">
+            <a:avLst/>
+          </a:prstGeom>
+          <a:noFill/>
+          <a:ln/>
+        </p:spPr>
+        <p:txBody>
+          <a:bodyPr wrap="square" rtlCol="0" anchor="t"/>
+          <a:lstStyle/>
+          <a:p>
+            <a:pPr marL="0" indent="0" algn="l">
+              <a:lnSpc>
+                <a:spcPts val="2799"/>
+              </a:lnSpc>
+              <a:buNone/>
+            </a:pPr>
+            <a:r>
+              <a:rPr lang="en-US" sz="1750" dirty="0">
+                <a:solidFill>
+                  <a:srgbClr val="FFFFFF"/>
+                </a:solidFill>
+                <a:latin typeface="PT Sans" pitchFamily="34" charset="0"/>
+                <a:ea typeface="PT Sans" pitchFamily="34" charset="-122"/>
+                <a:cs typeface="PT Sans" pitchFamily="34" charset="-120"/>
+              </a:rPr>
+              <a:t>Tailor the application's behavior and appearance to suit your personal preferences.</a:t>
+            </a:r>
+            <a:endParaRPr lang="en-US" sz="1750" dirty="0"/>
+          </a:p>
+        </p:txBody>
+      </p:sp>
+      <p:pic>
+        <p:nvPicPr>
+          <p:cNvPr id="11" name="Image 3" descr="preencoded.png"/>
+          <p:cNvPicPr>
+            <a:picLocks noChangeAspect="1"/>
+          </p:cNvPicPr>
+          <p:nvPr/>
+        </p:nvPicPr>
+        <p:blipFill>
+          <a:blip r:embed="rId6"/>
+          <a:stretch>
+            <a:fillRect/>
+          </a:stretch>
+        </p:blipFill>
+        <p:spPr>
+          <a:xfrm>
+            <a:off x="7481768" y="3170753"/>
+            <a:ext cx="555427" cy="555427"/>
+          </a:xfrm>
+          <a:prstGeom prst="rect">
+            <a:avLst/>
+          </a:prstGeom>
+        </p:spPr>
+      </p:pic>
+      <p:sp>
+        <p:nvSpPr>
+          <p:cNvPr id="12" name="Text 6"/>
+          <p:cNvSpPr/>
+          <p:nvPr/>
+        </p:nvSpPr>
+        <p:spPr>
+          <a:xfrm>
+            <a:off x="7481768" y="3948351"/>
+            <a:ext cx="2233374" cy="694373"/>
+          </a:xfrm>
+          <a:prstGeom prst="rect">
+            <a:avLst/>
+          </a:prstGeom>
+          <a:noFill/>
+          <a:ln/>
+        </p:spPr>
+        <p:txBody>
+          <a:bodyPr wrap="square" rtlCol="0" anchor="t"/>
+          <a:lstStyle/>
+          <a:p>
+            <a:pPr marL="0" indent="0" algn="l">
+              <a:lnSpc>
+                <a:spcPts val="2734"/>
+              </a:lnSpc>
+              <a:buNone/>
+            </a:pPr>
+            <a:r>
+              <a:rPr lang="en-US" sz="2187" b="1" dirty="0">
+                <a:solidFill>
+                  <a:srgbClr val="DD785E"/>
+                </a:solidFill>
+                <a:latin typeface="Nunito" pitchFamily="34" charset="0"/>
+                <a:ea typeface="Nunito" pitchFamily="34" charset="-122"/>
+                <a:cs typeface="Nunito" pitchFamily="34" charset="-120"/>
+              </a:rPr>
+              <a:t>Informative Dashboard</a:t>
+            </a:r>
+            <a:endParaRPr lang="en-US" sz="2187" dirty="0"/>
+          </a:p>
+        </p:txBody>
+      </p:sp>
+      <p:sp>
+        <p:nvSpPr>
+          <p:cNvPr id="13" name="Text 7"/>
+          <p:cNvSpPr/>
+          <p:nvPr/>
+        </p:nvSpPr>
+        <p:spPr>
+          <a:xfrm>
+            <a:off x="7481768" y="4775954"/>
+            <a:ext cx="2233374" cy="1421606"/>
+          </a:xfrm>
+          <a:prstGeom prst="rect">
+            <a:avLst/>
+          </a:prstGeom>
+          <a:noFill/>
+          <a:ln/>
+        </p:spPr>
+        <p:txBody>
+          <a:bodyPr wrap="square" rtlCol="0" anchor="t"/>
+          <a:lstStyle/>
+          <a:p>
+            <a:pPr marL="0" indent="0" algn="l">
+              <a:lnSpc>
+                <a:spcPts val="2799"/>
+              </a:lnSpc>
+              <a:buNone/>
+            </a:pPr>
+            <a:r>
+              <a:rPr lang="en-US" sz="1750" dirty="0">
+                <a:solidFill>
+                  <a:srgbClr val="FFFFFF"/>
+                </a:solidFill>
+                <a:latin typeface="PT Sans" pitchFamily="34" charset="0"/>
+                <a:ea typeface="PT Sans" pitchFamily="34" charset="-122"/>
+                <a:cs typeface="PT Sans" pitchFamily="34" charset="-120"/>
+              </a:rPr>
+              <a:t>Gain at-a-glance insights into your file storage with real-time data and visualizations.</a:t>
+            </a:r>
+            <a:endParaRPr lang="en-US" sz="1750" dirty="0"/>
+          </a:p>
+        </p:txBody>
+      </p:sp>
+      <p:pic>
+        <p:nvPicPr>
+          <p:cNvPr id="14" name="Image 4" descr="preencoded.png"/>
+          <p:cNvPicPr>
+            <a:picLocks noChangeAspect="1"/>
+          </p:cNvPicPr>
+          <p:nvPr/>
+        </p:nvPicPr>
+        <p:blipFill>
+          <a:blip r:embed="rId7"/>
+          <a:stretch>
+            <a:fillRect/>
+          </a:stretch>
+        </p:blipFill>
+        <p:spPr>
+          <a:xfrm>
+            <a:off x="10048399" y="3170753"/>
+            <a:ext cx="555427" cy="555427"/>
+          </a:xfrm>
+          <a:prstGeom prst="rect">
+            <a:avLst/>
+          </a:prstGeom>
+        </p:spPr>
+      </p:pic>
+      <p:sp>
+        <p:nvSpPr>
+          <p:cNvPr id="15" name="Text 8"/>
+          <p:cNvSpPr/>
+          <p:nvPr/>
+        </p:nvSpPr>
+        <p:spPr>
+          <a:xfrm>
+            <a:off x="10048399" y="3948351"/>
+            <a:ext cx="2233493" cy="694373"/>
+          </a:xfrm>
+          <a:prstGeom prst="rect">
+            <a:avLst/>
+          </a:prstGeom>
+          <a:noFill/>
+          <a:ln/>
+        </p:spPr>
+        <p:txBody>
+          <a:bodyPr wrap="square" rtlCol="0" anchor="t"/>
+          <a:lstStyle/>
+          <a:p>
+            <a:pPr marL="0" indent="0" algn="l">
+              <a:lnSpc>
+                <a:spcPts val="2734"/>
+              </a:lnSpc>
+              <a:buNone/>
+            </a:pPr>
+            <a:r>
+              <a:rPr lang="en-US" sz="2187" b="1" dirty="0">
+                <a:solidFill>
+                  <a:srgbClr val="48A8E2"/>
+                </a:solidFill>
+                <a:latin typeface="Nunito" pitchFamily="34" charset="0"/>
+                <a:ea typeface="Nunito" pitchFamily="34" charset="-122"/>
+                <a:cs typeface="Nunito" pitchFamily="34" charset="-120"/>
+              </a:rPr>
+              <a:t>Automated Workflows</a:t>
+            </a:r>
+            <a:endParaRPr lang="en-US" sz="2187" dirty="0"/>
+          </a:p>
+        </p:txBody>
+      </p:sp>
+      <p:sp>
+        <p:nvSpPr>
+          <p:cNvPr id="16" name="Text 9"/>
+          <p:cNvSpPr/>
+          <p:nvPr/>
+        </p:nvSpPr>
+        <p:spPr>
+          <a:xfrm>
+            <a:off x="10048399" y="4775954"/>
+            <a:ext cx="2233493" cy="1421606"/>
+          </a:xfrm>
+          <a:prstGeom prst="rect">
+            <a:avLst/>
+          </a:prstGeom>
+          <a:noFill/>
+          <a:ln/>
+        </p:spPr>
+        <p:txBody>
+          <a:bodyPr wrap="square" rtlCol="0" anchor="t"/>
+          <a:lstStyle/>
+          <a:p>
+            <a:pPr marL="0" indent="0" algn="l">
+              <a:lnSpc>
+                <a:spcPts val="2799"/>
+              </a:lnSpc>
+              <a:buNone/>
+            </a:pPr>
+            <a:r>
+              <a:rPr lang="en-US" sz="1750" dirty="0">
+                <a:solidFill>
+                  <a:srgbClr val="FFFFFF"/>
+                </a:solidFill>
+                <a:latin typeface="PT Sans" pitchFamily="34" charset="0"/>
+                <a:ea typeface="PT Sans" pitchFamily="34" charset="-122"/>
+                <a:cs typeface="PT Sans" pitchFamily="34" charset="-120"/>
+              </a:rPr>
+              <a:t>Streamline repetitive tasks with powerful automation tools to save time and effort.</a:t>
+            </a:r>
+            <a:endParaRPr lang="en-US" sz="1750" dirty="0"/>
+          </a:p>
+        </p:txBody>
+      </p:sp>
+    </p:spTree>
+  </p:cSld>
+  <p:clrMapOvr>
+    <a:masterClrMapping/>
+  </p:clrMapOvr>
+</p:sld>
+</file>
+
+<file path=ppt/slides/slide2.xml><?xml version="1.0" encoding="utf-8"?>
+<p:sld xmlns:a="http://schemas.openxmlformats.org/drawingml/2006/main" xmlns:r="http://schemas.openxmlformats.org/officeDocument/2006/relationships" xmlns:p="http://schemas.openxmlformats.org/presentationml/2006/main">
   <p:cSld name="Slide 1">
     <p:spTree>
       <p:nvGrpSpPr>
@@ -1637,7 +2699,7 @@
 </p:sld>
 </file>
 
-<file path=ppt/slides/slide2.xml><?xml version="1.0" encoding="utf-8"?>
+<file path=ppt/slides/slide3.xml><?xml version="1.0" encoding="utf-8"?>
 <p:sld xmlns:a="http://schemas.openxmlformats.org/drawingml/2006/main" xmlns:r="http://schemas.openxmlformats.org/officeDocument/2006/relationships" xmlns:p="http://schemas.openxmlformats.org/presentationml/2006/main">
   <p:cSld name="Slide 2">
     <p:spTree>
@@ -2290,7 +3352,7 @@
 </p:sld>
 </file>
 
-<file path=ppt/slides/slide3.xml><?xml version="1.0" encoding="utf-8"?>
+<file path=ppt/slides/slide4.xml><?xml version="1.0" encoding="utf-8"?>
 <p:sld xmlns:a="http://schemas.openxmlformats.org/drawingml/2006/main" xmlns:r="http://schemas.openxmlformats.org/officeDocument/2006/relationships" xmlns:p="http://schemas.openxmlformats.org/presentationml/2006/main">
   <p:cSld name="Slide 3">
     <p:spTree>
@@ -2662,7 +3724,7 @@
 </p:sld>
 </file>
 
-<file path=ppt/slides/slide4.xml><?xml version="1.0" encoding="utf-8"?>
+<file path=ppt/slides/slide5.xml><?xml version="1.0" encoding="utf-8"?>
 <p:sld xmlns:a="http://schemas.openxmlformats.org/drawingml/2006/main" xmlns:r="http://schemas.openxmlformats.org/officeDocument/2006/relationships" xmlns:p="http://schemas.openxmlformats.org/presentationml/2006/main">
   <p:cSld name="Slide 4">
     <p:spTree>
@@ -3254,7 +4316,7 @@
 </p:sld>
 </file>
 
-<file path=ppt/slides/slide5.xml><?xml version="1.0" encoding="utf-8"?>
+<file path=ppt/slides/slide6.xml><?xml version="1.0" encoding="utf-8"?>
 <p:sld xmlns:a="http://schemas.openxmlformats.org/drawingml/2006/main" xmlns:r="http://schemas.openxmlformats.org/officeDocument/2006/relationships" xmlns:p="http://schemas.openxmlformats.org/presentationml/2006/main">
   <p:cSld name="Slide 5">
     <p:spTree>
@@ -3986,7 +5048,7 @@
 </p:sld>
 </file>
 
-<file path=ppt/slides/slide6.xml><?xml version="1.0" encoding="utf-8"?>
+<file path=ppt/slides/slide7.xml><?xml version="1.0" encoding="utf-8"?>
 <p:sld xmlns:a="http://schemas.openxmlformats.org/drawingml/2006/main" xmlns:r="http://schemas.openxmlformats.org/officeDocument/2006/relationships" xmlns:p="http://schemas.openxmlformats.org/presentationml/2006/main">
   <p:cSld name="Slide 6">
     <p:spTree>
@@ -4483,7 +5545,7 @@
 </p:sld>
 </file>
 
-<file path=ppt/slides/slide7.xml><?xml version="1.0" encoding="utf-8"?>
+<file path=ppt/slides/slide8.xml><?xml version="1.0" encoding="utf-8"?>
 <p:sld xmlns:a="http://schemas.openxmlformats.org/drawingml/2006/main" xmlns:r="http://schemas.openxmlformats.org/officeDocument/2006/relationships" xmlns:p="http://schemas.openxmlformats.org/presentationml/2006/main">
   <p:cSld name="Slide 7">
     <p:spTree>
@@ -5393,7 +6455,7 @@
 </p:sld>
 </file>
 
-<file path=ppt/slides/slide8.xml><?xml version="1.0" encoding="utf-8"?>
+<file path=ppt/slides/slide9.xml><?xml version="1.0" encoding="utf-8"?>
 <p:sld xmlns:a="http://schemas.openxmlformats.org/drawingml/2006/main" xmlns:r="http://schemas.openxmlformats.org/officeDocument/2006/relationships" xmlns:p="http://schemas.openxmlformats.org/presentationml/2006/main">
   <p:cSld name="Slide 8">
     <p:spTree>
@@ -5797,558 +6859,6 @@
           </a:prstGeom>
         </p:spPr>
       </p:pic>
-    </p:spTree>
-  </p:cSld>
-  <p:clrMapOvr>
-    <a:masterClrMapping/>
-  </p:clrMapOvr>
-</p:sld>
-</file>
-
-<file path=ppt/slides/slide9.xml><?xml version="1.0" encoding="utf-8"?>
-<p:sld xmlns:a="http://schemas.openxmlformats.org/drawingml/2006/main" xmlns:r="http://schemas.openxmlformats.org/officeDocument/2006/relationships" xmlns:p="http://schemas.openxmlformats.org/presentationml/2006/main">
-  <p:cSld name="Slide 9">
-    <p:spTree>
-      <p:nvGrpSpPr>
-        <p:cNvPr id="1" name=""/>
-        <p:cNvGrpSpPr/>
-        <p:nvPr/>
-      </p:nvGrpSpPr>
-      <p:grpSpPr>
-        <a:xfrm>
-          <a:off x="0" y="0"/>
-          <a:ext cx="0" cy="0"/>
-          <a:chOff x="0" y="0"/>
-          <a:chExt cx="0" cy="0"/>
-        </a:xfrm>
-      </p:grpSpPr>
-      <p:pic>
-        <p:nvPicPr>
-          <p:cNvPr id="2" name="Image 0" descr="preencoded.png"/>
-          <p:cNvPicPr>
-            <a:picLocks noChangeAspect="1"/>
-          </p:cNvPicPr>
-          <p:nvPr/>
-        </p:nvPicPr>
-        <p:blipFill>
-          <a:blip r:embed="rId3"/>
-          <a:stretch>
-            <a:fillRect/>
-          </a:stretch>
-        </p:blipFill>
-        <p:spPr>
-          <a:xfrm>
-            <a:off x="0" y="0"/>
-            <a:ext cx="14630400" cy="8229600"/>
-          </a:xfrm>
-          <a:prstGeom prst="rect">
-            <a:avLst/>
-          </a:prstGeom>
-        </p:spPr>
-      </p:pic>
-      <p:sp>
-        <p:nvSpPr>
-          <p:cNvPr id="3" name="Shape 0"/>
-          <p:cNvSpPr/>
-          <p:nvPr/>
-        </p:nvSpPr>
-        <p:spPr>
-          <a:xfrm>
-            <a:off x="0" y="0"/>
-            <a:ext cx="14630400" cy="8229600"/>
-          </a:xfrm>
-          <a:prstGeom prst="rect">
-            <a:avLst/>
-          </a:prstGeom>
-          <a:solidFill>
-            <a:srgbClr val="00002E">
-              <a:alpha val="75000"/>
-            </a:srgbClr>
-          </a:solidFill>
-          <a:ln/>
-        </p:spPr>
-        <p:txBody>
-          <a:bodyPr/>
-          <a:lstStyle/>
-          <a:p>
-            <a:endParaRPr lang="en-IN"/>
-          </a:p>
-        </p:txBody>
-      </p:sp>
-      <p:sp>
-        <p:nvSpPr>
-          <p:cNvPr id="4" name="Text 1"/>
-          <p:cNvSpPr/>
-          <p:nvPr/>
-        </p:nvSpPr>
-        <p:spPr>
-          <a:xfrm>
-            <a:off x="2348389" y="2032040"/>
-            <a:ext cx="5751552" cy="694373"/>
-          </a:xfrm>
-          <a:prstGeom prst="rect">
-            <a:avLst/>
-          </a:prstGeom>
-          <a:noFill/>
-          <a:ln/>
-        </p:spPr>
-        <p:txBody>
-          <a:bodyPr wrap="none" rtlCol="0" anchor="t"/>
-          <a:lstStyle/>
-          <a:p>
-            <a:pPr marL="0" indent="0">
-              <a:lnSpc>
-                <a:spcPts val="5468"/>
-              </a:lnSpc>
-              <a:buNone/>
-            </a:pPr>
-            <a:r>
-              <a:rPr lang="en-US" sz="4374" b="1" dirty="0">
-                <a:solidFill>
-                  <a:srgbClr val="FFFFFF"/>
-                </a:solidFill>
-                <a:latin typeface="Nunito" pitchFamily="34" charset="0"/>
-                <a:ea typeface="Nunito" pitchFamily="34" charset="-122"/>
-                <a:cs typeface="Nunito" pitchFamily="34" charset="-120"/>
-              </a:rPr>
-              <a:t>Intuitive User Interface</a:t>
-            </a:r>
-            <a:endParaRPr lang="en-US" sz="4374" dirty="0"/>
-          </a:p>
-        </p:txBody>
-      </p:sp>
-      <p:pic>
-        <p:nvPicPr>
-          <p:cNvPr id="5" name="Image 1" descr="preencoded.png"/>
-          <p:cNvPicPr>
-            <a:picLocks noChangeAspect="1"/>
-          </p:cNvPicPr>
-          <p:nvPr/>
-        </p:nvPicPr>
-        <p:blipFill>
-          <a:blip r:embed="rId4"/>
-          <a:stretch>
-            <a:fillRect/>
-          </a:stretch>
-        </p:blipFill>
-        <p:spPr>
-          <a:xfrm>
-            <a:off x="2348389" y="3170753"/>
-            <a:ext cx="555427" cy="555427"/>
-          </a:xfrm>
-          <a:prstGeom prst="rect">
-            <a:avLst/>
-          </a:prstGeom>
-        </p:spPr>
-      </p:pic>
-      <p:sp>
-        <p:nvSpPr>
-          <p:cNvPr id="6" name="Text 2"/>
-          <p:cNvSpPr/>
-          <p:nvPr/>
-        </p:nvSpPr>
-        <p:spPr>
-          <a:xfrm>
-            <a:off x="2348389" y="3948351"/>
-            <a:ext cx="2233374" cy="694373"/>
-          </a:xfrm>
-          <a:prstGeom prst="rect">
-            <a:avLst/>
-          </a:prstGeom>
-          <a:noFill/>
-          <a:ln/>
-        </p:spPr>
-        <p:txBody>
-          <a:bodyPr wrap="square" rtlCol="0" anchor="t"/>
-          <a:lstStyle/>
-          <a:p>
-            <a:pPr marL="0" indent="0" algn="l">
-              <a:lnSpc>
-                <a:spcPts val="2734"/>
-              </a:lnSpc>
-              <a:buNone/>
-            </a:pPr>
-            <a:r>
-              <a:rPr lang="en-US" sz="2187" b="1" dirty="0">
-                <a:solidFill>
-                  <a:srgbClr val="F2B42D"/>
-                </a:solidFill>
-                <a:latin typeface="Nunito" pitchFamily="34" charset="0"/>
-                <a:ea typeface="Nunito" pitchFamily="34" charset="-122"/>
-                <a:cs typeface="Nunito" pitchFamily="34" charset="-120"/>
-              </a:rPr>
-              <a:t>Simple Navigation</a:t>
-            </a:r>
-            <a:endParaRPr lang="en-US" sz="2187" dirty="0"/>
-          </a:p>
-        </p:txBody>
-      </p:sp>
-      <p:sp>
-        <p:nvSpPr>
-          <p:cNvPr id="7" name="Text 3"/>
-          <p:cNvSpPr/>
-          <p:nvPr/>
-        </p:nvSpPr>
-        <p:spPr>
-          <a:xfrm>
-            <a:off x="2348389" y="4775954"/>
-            <a:ext cx="2233374" cy="1421606"/>
-          </a:xfrm>
-          <a:prstGeom prst="rect">
-            <a:avLst/>
-          </a:prstGeom>
-          <a:noFill/>
-          <a:ln/>
-        </p:spPr>
-        <p:txBody>
-          <a:bodyPr wrap="square" rtlCol="0" anchor="t"/>
-          <a:lstStyle/>
-          <a:p>
-            <a:pPr marL="0" indent="0" algn="l">
-              <a:lnSpc>
-                <a:spcPts val="2799"/>
-              </a:lnSpc>
-              <a:buNone/>
-            </a:pPr>
-            <a:r>
-              <a:rPr lang="en-US" sz="1750" dirty="0">
-                <a:solidFill>
-                  <a:srgbClr val="FFFFFF"/>
-                </a:solidFill>
-                <a:latin typeface="PT Sans" pitchFamily="34" charset="0"/>
-                <a:ea typeface="PT Sans" pitchFamily="34" charset="-122"/>
-                <a:cs typeface="PT Sans" pitchFamily="34" charset="-120"/>
-              </a:rPr>
-              <a:t>Easily browse and manage files and folders with a clean, intuitive directory tree.</a:t>
-            </a:r>
-            <a:endParaRPr lang="en-US" sz="1750" dirty="0"/>
-          </a:p>
-        </p:txBody>
-      </p:sp>
-      <p:pic>
-        <p:nvPicPr>
-          <p:cNvPr id="8" name="Image 2" descr="preencoded.png"/>
-          <p:cNvPicPr>
-            <a:picLocks noChangeAspect="1"/>
-          </p:cNvPicPr>
-          <p:nvPr/>
-        </p:nvPicPr>
-        <p:blipFill>
-          <a:blip r:embed="rId5"/>
-          <a:stretch>
-            <a:fillRect/>
-          </a:stretch>
-        </p:blipFill>
-        <p:spPr>
-          <a:xfrm>
-            <a:off x="4915019" y="3170753"/>
-            <a:ext cx="555427" cy="555427"/>
-          </a:xfrm>
-          <a:prstGeom prst="rect">
-            <a:avLst/>
-          </a:prstGeom>
-        </p:spPr>
-      </p:pic>
-      <p:sp>
-        <p:nvSpPr>
-          <p:cNvPr id="9" name="Text 4"/>
-          <p:cNvSpPr/>
-          <p:nvPr/>
-        </p:nvSpPr>
-        <p:spPr>
-          <a:xfrm>
-            <a:off x="4915019" y="3948351"/>
-            <a:ext cx="2233493" cy="694373"/>
-          </a:xfrm>
-          <a:prstGeom prst="rect">
-            <a:avLst/>
-          </a:prstGeom>
-          <a:noFill/>
-          <a:ln/>
-        </p:spPr>
-        <p:txBody>
-          <a:bodyPr wrap="square" rtlCol="0" anchor="t"/>
-          <a:lstStyle/>
-          <a:p>
-            <a:pPr marL="0" indent="0" algn="l">
-              <a:lnSpc>
-                <a:spcPts val="2734"/>
-              </a:lnSpc>
-              <a:buNone/>
-            </a:pPr>
-            <a:r>
-              <a:rPr lang="en-US" sz="2187" b="1" dirty="0">
-                <a:solidFill>
-                  <a:srgbClr val="D7425E"/>
-                </a:solidFill>
-                <a:latin typeface="Nunito" pitchFamily="34" charset="0"/>
-                <a:ea typeface="Nunito" pitchFamily="34" charset="-122"/>
-                <a:cs typeface="Nunito" pitchFamily="34" charset="-120"/>
-              </a:rPr>
-              <a:t>Customizable Options</a:t>
-            </a:r>
-            <a:endParaRPr lang="en-US" sz="2187" dirty="0"/>
-          </a:p>
-        </p:txBody>
-      </p:sp>
-      <p:sp>
-        <p:nvSpPr>
-          <p:cNvPr id="10" name="Text 5"/>
-          <p:cNvSpPr/>
-          <p:nvPr/>
-        </p:nvSpPr>
-        <p:spPr>
-          <a:xfrm>
-            <a:off x="4915019" y="4775954"/>
-            <a:ext cx="2233493" cy="1421606"/>
-          </a:xfrm>
-          <a:prstGeom prst="rect">
-            <a:avLst/>
-          </a:prstGeom>
-          <a:noFill/>
-          <a:ln/>
-        </p:spPr>
-        <p:txBody>
-          <a:bodyPr wrap="square" rtlCol="0" anchor="t"/>
-          <a:lstStyle/>
-          <a:p>
-            <a:pPr marL="0" indent="0" algn="l">
-              <a:lnSpc>
-                <a:spcPts val="2799"/>
-              </a:lnSpc>
-              <a:buNone/>
-            </a:pPr>
-            <a:r>
-              <a:rPr lang="en-US" sz="1750" dirty="0">
-                <a:solidFill>
-                  <a:srgbClr val="FFFFFF"/>
-                </a:solidFill>
-                <a:latin typeface="PT Sans" pitchFamily="34" charset="0"/>
-                <a:ea typeface="PT Sans" pitchFamily="34" charset="-122"/>
-                <a:cs typeface="PT Sans" pitchFamily="34" charset="-120"/>
-              </a:rPr>
-              <a:t>Tailor the application's behavior and appearance to suit your personal preferences.</a:t>
-            </a:r>
-            <a:endParaRPr lang="en-US" sz="1750" dirty="0"/>
-          </a:p>
-        </p:txBody>
-      </p:sp>
-      <p:pic>
-        <p:nvPicPr>
-          <p:cNvPr id="11" name="Image 3" descr="preencoded.png"/>
-          <p:cNvPicPr>
-            <a:picLocks noChangeAspect="1"/>
-          </p:cNvPicPr>
-          <p:nvPr/>
-        </p:nvPicPr>
-        <p:blipFill>
-          <a:blip r:embed="rId6"/>
-          <a:stretch>
-            <a:fillRect/>
-          </a:stretch>
-        </p:blipFill>
-        <p:spPr>
-          <a:xfrm>
-            <a:off x="7481768" y="3170753"/>
-            <a:ext cx="555427" cy="555427"/>
-          </a:xfrm>
-          <a:prstGeom prst="rect">
-            <a:avLst/>
-          </a:prstGeom>
-        </p:spPr>
-      </p:pic>
-      <p:sp>
-        <p:nvSpPr>
-          <p:cNvPr id="12" name="Text 6"/>
-          <p:cNvSpPr/>
-          <p:nvPr/>
-        </p:nvSpPr>
-        <p:spPr>
-          <a:xfrm>
-            <a:off x="7481768" y="3948351"/>
-            <a:ext cx="2233374" cy="694373"/>
-          </a:xfrm>
-          <a:prstGeom prst="rect">
-            <a:avLst/>
-          </a:prstGeom>
-          <a:noFill/>
-          <a:ln/>
-        </p:spPr>
-        <p:txBody>
-          <a:bodyPr wrap="square" rtlCol="0" anchor="t"/>
-          <a:lstStyle/>
-          <a:p>
-            <a:pPr marL="0" indent="0" algn="l">
-              <a:lnSpc>
-                <a:spcPts val="2734"/>
-              </a:lnSpc>
-              <a:buNone/>
-            </a:pPr>
-            <a:r>
-              <a:rPr lang="en-US" sz="2187" b="1" dirty="0">
-                <a:solidFill>
-                  <a:srgbClr val="DD785E"/>
-                </a:solidFill>
-                <a:latin typeface="Nunito" pitchFamily="34" charset="0"/>
-                <a:ea typeface="Nunito" pitchFamily="34" charset="-122"/>
-                <a:cs typeface="Nunito" pitchFamily="34" charset="-120"/>
-              </a:rPr>
-              <a:t>Informative Dashboard</a:t>
-            </a:r>
-            <a:endParaRPr lang="en-US" sz="2187" dirty="0"/>
-          </a:p>
-        </p:txBody>
-      </p:sp>
-      <p:sp>
-        <p:nvSpPr>
-          <p:cNvPr id="13" name="Text 7"/>
-          <p:cNvSpPr/>
-          <p:nvPr/>
-        </p:nvSpPr>
-        <p:spPr>
-          <a:xfrm>
-            <a:off x="7481768" y="4775954"/>
-            <a:ext cx="2233374" cy="1421606"/>
-          </a:xfrm>
-          <a:prstGeom prst="rect">
-            <a:avLst/>
-          </a:prstGeom>
-          <a:noFill/>
-          <a:ln/>
-        </p:spPr>
-        <p:txBody>
-          <a:bodyPr wrap="square" rtlCol="0" anchor="t"/>
-          <a:lstStyle/>
-          <a:p>
-            <a:pPr marL="0" indent="0" algn="l">
-              <a:lnSpc>
-                <a:spcPts val="2799"/>
-              </a:lnSpc>
-              <a:buNone/>
-            </a:pPr>
-            <a:r>
-              <a:rPr lang="en-US" sz="1750" dirty="0">
-                <a:solidFill>
-                  <a:srgbClr val="FFFFFF"/>
-                </a:solidFill>
-                <a:latin typeface="PT Sans" pitchFamily="34" charset="0"/>
-                <a:ea typeface="PT Sans" pitchFamily="34" charset="-122"/>
-                <a:cs typeface="PT Sans" pitchFamily="34" charset="-120"/>
-              </a:rPr>
-              <a:t>Gain at-a-glance insights into your file storage with real-time data and visualizations.</a:t>
-            </a:r>
-            <a:endParaRPr lang="en-US" sz="1750" dirty="0"/>
-          </a:p>
-        </p:txBody>
-      </p:sp>
-      <p:pic>
-        <p:nvPicPr>
-          <p:cNvPr id="14" name="Image 4" descr="preencoded.png"/>
-          <p:cNvPicPr>
-            <a:picLocks noChangeAspect="1"/>
-          </p:cNvPicPr>
-          <p:nvPr/>
-        </p:nvPicPr>
-        <p:blipFill>
-          <a:blip r:embed="rId7"/>
-          <a:stretch>
-            <a:fillRect/>
-          </a:stretch>
-        </p:blipFill>
-        <p:spPr>
-          <a:xfrm>
-            <a:off x="10048399" y="3170753"/>
-            <a:ext cx="555427" cy="555427"/>
-          </a:xfrm>
-          <a:prstGeom prst="rect">
-            <a:avLst/>
-          </a:prstGeom>
-        </p:spPr>
-      </p:pic>
-      <p:sp>
-        <p:nvSpPr>
-          <p:cNvPr id="15" name="Text 8"/>
-          <p:cNvSpPr/>
-          <p:nvPr/>
-        </p:nvSpPr>
-        <p:spPr>
-          <a:xfrm>
-            <a:off x="10048399" y="3948351"/>
-            <a:ext cx="2233493" cy="694373"/>
-          </a:xfrm>
-          <a:prstGeom prst="rect">
-            <a:avLst/>
-          </a:prstGeom>
-          <a:noFill/>
-          <a:ln/>
-        </p:spPr>
-        <p:txBody>
-          <a:bodyPr wrap="square" rtlCol="0" anchor="t"/>
-          <a:lstStyle/>
-          <a:p>
-            <a:pPr marL="0" indent="0" algn="l">
-              <a:lnSpc>
-                <a:spcPts val="2734"/>
-              </a:lnSpc>
-              <a:buNone/>
-            </a:pPr>
-            <a:r>
-              <a:rPr lang="en-US" sz="2187" b="1" dirty="0">
-                <a:solidFill>
-                  <a:srgbClr val="48A8E2"/>
-                </a:solidFill>
-                <a:latin typeface="Nunito" pitchFamily="34" charset="0"/>
-                <a:ea typeface="Nunito" pitchFamily="34" charset="-122"/>
-                <a:cs typeface="Nunito" pitchFamily="34" charset="-120"/>
-              </a:rPr>
-              <a:t>Automated Workflows</a:t>
-            </a:r>
-            <a:endParaRPr lang="en-US" sz="2187" dirty="0"/>
-          </a:p>
-        </p:txBody>
-      </p:sp>
-      <p:sp>
-        <p:nvSpPr>
-          <p:cNvPr id="16" name="Text 9"/>
-          <p:cNvSpPr/>
-          <p:nvPr/>
-        </p:nvSpPr>
-        <p:spPr>
-          <a:xfrm>
-            <a:off x="10048399" y="4775954"/>
-            <a:ext cx="2233493" cy="1421606"/>
-          </a:xfrm>
-          <a:prstGeom prst="rect">
-            <a:avLst/>
-          </a:prstGeom>
-          <a:noFill/>
-          <a:ln/>
-        </p:spPr>
-        <p:txBody>
-          <a:bodyPr wrap="square" rtlCol="0" anchor="t"/>
-          <a:lstStyle/>
-          <a:p>
-            <a:pPr marL="0" indent="0" algn="l">
-              <a:lnSpc>
-                <a:spcPts val="2799"/>
-              </a:lnSpc>
-              <a:buNone/>
-            </a:pPr>
-            <a:r>
-              <a:rPr lang="en-US" sz="1750" dirty="0">
-                <a:solidFill>
-                  <a:srgbClr val="FFFFFF"/>
-                </a:solidFill>
-                <a:latin typeface="PT Sans" pitchFamily="34" charset="0"/>
-                <a:ea typeface="PT Sans" pitchFamily="34" charset="-122"/>
-                <a:cs typeface="PT Sans" pitchFamily="34" charset="-120"/>
-              </a:rPr>
-              <a:t>Streamline repetitive tasks with powerful automation tools to save time and effort.</a:t>
-            </a:r>
-            <a:endParaRPr lang="en-US" sz="1750" dirty="0"/>
-          </a:p>
-        </p:txBody>
-      </p:sp>
     </p:spTree>
   </p:cSld>
   <p:clrMapOvr>

--- a/assets/File-Manager-Application.pptx
+++ b/assets/File-Manager-Application.pptx
@@ -1447,7 +1447,7 @@
         </p:nvSpPr>
         <p:spPr>
           <a:xfrm>
-            <a:off x="-59570" y="0"/>
+            <a:off x="0" y="0"/>
             <a:ext cx="14630400" cy="8229600"/>
           </a:xfrm>
           <a:prstGeom prst="rect">
@@ -1484,7 +1484,7 @@
         </p:blipFill>
         <p:spPr>
           <a:xfrm>
-            <a:off x="-59570" y="-1"/>
+            <a:off x="0" y="0"/>
             <a:ext cx="5486400" cy="8229600"/>
           </a:xfrm>
           <a:prstGeom prst="rect">
@@ -1500,7 +1500,7 @@
         </p:nvSpPr>
         <p:spPr>
           <a:xfrm>
-            <a:off x="7548995" y="1182301"/>
+            <a:off x="7548995" y="788046"/>
             <a:ext cx="5018810" cy="1002030"/>
           </a:xfrm>
           <a:prstGeom prst="rect">
@@ -1542,7 +1542,7 @@
         </p:nvSpPr>
         <p:spPr>
           <a:xfrm>
-            <a:off x="7548995" y="3088142"/>
+            <a:off x="7804324" y="2376826"/>
             <a:ext cx="5018810" cy="2524991"/>
           </a:xfrm>
           <a:prstGeom prst="rect">
@@ -1561,7 +1561,7 @@
               </a:lnSpc>
             </a:pPr>
             <a:r>
-              <a:rPr lang="en-GB" sz="1800" b="1">
+              <a:rPr lang="en-GB" sz="1800" b="1" dirty="0">
                 <a:solidFill>
                   <a:srgbClr val="D6E5EF"/>
                 </a:solidFill>
@@ -1572,7 +1572,7 @@
               <a:t>Name: </a:t>
             </a:r>
             <a:r>
-              <a:rPr lang="en-GB" sz="2000">
+              <a:rPr lang="en-GB" sz="2000" dirty="0">
                 <a:solidFill>
                   <a:srgbClr val="D6E5EF"/>
                 </a:solidFill>
@@ -1582,7 +1582,7 @@
               </a:rPr>
               <a:t>Yash Kumar Singh </a:t>
             </a:r>
-            <a:endParaRPr lang="en-GB" sz="1944" b="1">
+            <a:endParaRPr lang="en-GB" sz="1944" b="1" dirty="0">
               <a:solidFill>
                 <a:srgbClr val="D6E5EF"/>
               </a:solidFill>
@@ -1760,7 +1760,7 @@
         </p:blipFill>
         <p:spPr>
           <a:xfrm>
-            <a:off x="8393013" y="6516945"/>
+            <a:off x="8393013" y="7103422"/>
             <a:ext cx="379690" cy="379690"/>
           </a:xfrm>
           <a:prstGeom prst="rect">
@@ -1776,7 +1776,7 @@
         </p:nvSpPr>
         <p:spPr>
           <a:xfrm>
-            <a:off x="8903672" y="6490870"/>
+            <a:off x="8903672" y="7077347"/>
             <a:ext cx="2820114" cy="431959"/>
           </a:xfrm>
           <a:prstGeom prst="rect">
@@ -1807,6 +1807,71 @@
               <a:t>by Yash Kumar Singh</a:t>
             </a:r>
             <a:endParaRPr lang="en-US" sz="2430" dirty="0"/>
+          </a:p>
+        </p:txBody>
+      </p:sp>
+      <p:sp>
+        <p:nvSpPr>
+          <p:cNvPr id="13" name="Text 3">
+            <a:extLst>
+              <a:ext uri="{FF2B5EF4-FFF2-40B4-BE49-F238E27FC236}">
+                <a16:creationId xmlns:a16="http://schemas.microsoft.com/office/drawing/2014/main" id="{8B75885E-C488-ADE8-6679-76AF03488B2E}"/>
+              </a:ext>
+            </a:extLst>
+          </p:cNvPr>
+          <p:cNvSpPr/>
+          <p:nvPr/>
+        </p:nvSpPr>
+        <p:spPr>
+          <a:xfrm>
+            <a:off x="7885770" y="5488567"/>
+            <a:ext cx="4855917" cy="1002030"/>
+          </a:xfrm>
+          <a:prstGeom prst="rect">
+            <a:avLst/>
+          </a:prstGeom>
+          <a:noFill/>
+          <a:ln/>
+        </p:spPr>
+        <p:txBody>
+          <a:bodyPr wrap="square" rtlCol="0" anchor="t"/>
+          <a:lstStyle/>
+          <a:p>
+            <a:pPr>
+              <a:lnSpc>
+                <a:spcPts val="3110"/>
+              </a:lnSpc>
+            </a:pPr>
+            <a:r>
+              <a:rPr lang="en-GB" sz="1800" b="1" dirty="0">
+                <a:solidFill>
+                  <a:srgbClr val="D6E5EF"/>
+                </a:solidFill>
+                <a:latin typeface="Source Sans Pro" pitchFamily="34" charset="0"/>
+                <a:ea typeface="Source Sans Pro" pitchFamily="34" charset="-122"/>
+                <a:cs typeface="Source Sans Pro" pitchFamily="34" charset="-120"/>
+              </a:rPr>
+              <a:t>PROJECT REPO :</a:t>
+            </a:r>
+          </a:p>
+          <a:p>
+            <a:pPr>
+              <a:lnSpc>
+                <a:spcPts val="3110"/>
+              </a:lnSpc>
+            </a:pPr>
+            <a:r>
+              <a:rPr lang="en-GB" sz="1800" b="1" dirty="0">
+                <a:solidFill>
+                  <a:srgbClr val="D6E5EF"/>
+                </a:solidFill>
+                <a:latin typeface="Source Sans Pro" pitchFamily="34" charset="0"/>
+                <a:ea typeface="Source Sans Pro" pitchFamily="34" charset="-122"/>
+                <a:cs typeface="Source Sans Pro" pitchFamily="34" charset="-120"/>
+              </a:rPr>
+              <a:t>https://github.com/Celestial-0/FILE-MANAGER</a:t>
+            </a:r>
+            <a:endParaRPr lang="en-US" sz="1944" dirty="0"/>
           </a:p>
         </p:txBody>
       </p:sp>
